--- a/seminar/Seminar20230711.pptx
+++ b/seminar/Seminar20230711.pptx
@@ -4799,7 +4799,7 @@
             </a:pPr>
             <a:r>
               <a:rPr lang="en-US" dirty="0"/>
-              <a:t>A faster method is required to ensure the compatibility library and data before running the experiment.</a:t>
+              <a:t>An alternative method is required to ensure the compatibility library and data before running the experiment.</a:t>
             </a:r>
           </a:p>
         </p:txBody>
